--- a/Analytics.pptx
+++ b/Analytics.pptx
@@ -9304,8 +9304,8 @@
         </p:blipFill>
         <p:spPr>
           <a:xfrm>
-            <a:off x="4824000" y="695160"/>
-            <a:ext cx="5069520" cy="2832840"/>
+            <a:off x="5033108" y="695160"/>
+            <a:ext cx="4860412" cy="2832840"/>
           </a:xfrm>
           <a:prstGeom prst="rect">
             <a:avLst/>
@@ -11988,7 +11988,7 @@
               <a:buChar char=""/>
             </a:pPr>
             <a:r>
-              <a:rPr lang="en-AU" sz="2200" b="0" strike="noStrike" spc="-1">
+              <a:rPr lang="en-AU" sz="2200" b="0" strike="noStrike" spc="-1" dirty="0">
                 <a:solidFill>
                   <a:srgbClr val="000000"/>
                 </a:solidFill>
@@ -11997,7 +11997,7 @@
               </a:rPr>
               <a:t>Accuracy: 0.749</a:t>
             </a:r>
-            <a:endParaRPr lang="en-AU" sz="2200" b="0" strike="noStrike" spc="-1">
+            <a:endParaRPr lang="en-AU" sz="2200" b="0" strike="noStrike" spc="-1" dirty="0">
               <a:latin typeface="Arial"/>
             </a:endParaRPr>
           </a:p>
@@ -12017,16 +12017,26 @@
               <a:buChar char=""/>
             </a:pPr>
             <a:r>
-              <a:rPr lang="en-AU" sz="2200" b="0" strike="noStrike" spc="-1">
+              <a:rPr lang="en-AU" sz="2200" b="0" strike="noStrike" spc="-1" dirty="0">
                 <a:solidFill>
                   <a:srgbClr val="000000"/>
                 </a:solidFill>
                 <a:latin typeface="Arial"/>
                 <a:ea typeface="DejaVu Sans"/>
               </a:rPr>
-              <a:t>Precision: 0.599</a:t>
+              <a:t>Precision: </a:t>
             </a:r>
-            <a:endParaRPr lang="en-AU" sz="2200" b="0" strike="noStrike" spc="-1">
+            <a:r>
+              <a:rPr lang="en-AU" sz="2200" b="0" strike="noStrike" spc="-1" dirty="0" smtClean="0">
+                <a:solidFill>
+                  <a:srgbClr val="000000"/>
+                </a:solidFill>
+                <a:latin typeface="Arial"/>
+                <a:ea typeface="DejaVu Sans"/>
+              </a:rPr>
+              <a:t>0.599</a:t>
+            </a:r>
+            <a:endParaRPr lang="en-AU" sz="2200" b="0" strike="noStrike" spc="-1" dirty="0">
               <a:latin typeface="Arial"/>
             </a:endParaRPr>
           </a:p>
@@ -12046,7 +12056,7 @@
               <a:buChar char=""/>
             </a:pPr>
             <a:r>
-              <a:rPr lang="en-AU" sz="2200" b="0" strike="noStrike" spc="-1">
+              <a:rPr lang="en-AU" sz="2200" b="0" strike="noStrike" spc="-1" dirty="0">
                 <a:solidFill>
                   <a:srgbClr val="000000"/>
                 </a:solidFill>
@@ -12055,7 +12065,7 @@
               </a:rPr>
               <a:t>Recall: 0.204</a:t>
             </a:r>
-            <a:endParaRPr lang="en-AU" sz="2200" b="0" strike="noStrike" spc="-1">
+            <a:endParaRPr lang="en-AU" sz="2200" b="0" strike="noStrike" spc="-1" dirty="0">
               <a:latin typeface="Arial"/>
             </a:endParaRPr>
           </a:p>
@@ -12075,16 +12085,26 @@
               <a:buChar char=""/>
             </a:pPr>
             <a:r>
-              <a:rPr lang="en-AU" sz="2200" b="0" strike="noStrike" spc="-1">
+              <a:rPr lang="en-AU" sz="2200" b="0" strike="noStrike" spc="-1" dirty="0">
                 <a:solidFill>
                   <a:srgbClr val="000000"/>
                 </a:solidFill>
                 <a:latin typeface="Arial"/>
                 <a:ea typeface="DejaVu Sans"/>
               </a:rPr>
-              <a:t>F1 score: 0.304</a:t>
+              <a:t>F1 score: </a:t>
             </a:r>
-            <a:endParaRPr lang="en-AU" sz="2200" b="0" strike="noStrike" spc="-1">
+            <a:r>
+              <a:rPr lang="en-AU" sz="2200" b="0" strike="noStrike" spc="-1" dirty="0" smtClean="0">
+                <a:solidFill>
+                  <a:srgbClr val="000000"/>
+                </a:solidFill>
+                <a:latin typeface="Arial"/>
+                <a:ea typeface="DejaVu Sans"/>
+              </a:rPr>
+              <a:t>0.304</a:t>
+            </a:r>
+            <a:endParaRPr lang="en-AU" sz="2200" b="0" strike="noStrike" spc="-1" dirty="0">
               <a:latin typeface="Arial"/>
             </a:endParaRPr>
           </a:p>
@@ -12104,16 +12124,26 @@
               <a:buChar char=""/>
             </a:pPr>
             <a:r>
-              <a:rPr lang="en-AU" sz="2200" b="0" strike="noStrike" spc="-1">
+              <a:rPr lang="en-AU" sz="2200" b="0" strike="noStrike" spc="-1" dirty="0">
                 <a:solidFill>
                   <a:srgbClr val="000000"/>
                 </a:solidFill>
                 <a:latin typeface="Arial"/>
                 <a:ea typeface="DejaVu Sans"/>
               </a:rPr>
-              <a:t>AUC_ROC: 0.577</a:t>
+              <a:t>AUC_ROC: </a:t>
             </a:r>
-            <a:endParaRPr lang="en-AU" sz="2200" b="0" strike="noStrike" spc="-1">
+            <a:r>
+              <a:rPr lang="en-AU" sz="2200" b="0" strike="noStrike" spc="-1" dirty="0" smtClean="0">
+                <a:solidFill>
+                  <a:srgbClr val="000000"/>
+                </a:solidFill>
+                <a:latin typeface="Arial"/>
+                <a:ea typeface="DejaVu Sans"/>
+              </a:rPr>
+              <a:t>0.577</a:t>
+            </a:r>
+            <a:endParaRPr lang="en-AU" sz="2200" b="0" strike="noStrike" spc="-1" dirty="0">
               <a:latin typeface="Arial"/>
             </a:endParaRPr>
           </a:p>
@@ -12126,7 +12156,7 @@
                 <a:spcPts val="1414"/>
               </a:spcAft>
             </a:pPr>
-            <a:endParaRPr lang="en-AU" sz="2200" b="0" strike="noStrike" spc="-1">
+            <a:endParaRPr lang="en-AU" sz="2200" b="0" strike="noStrike" spc="-1" dirty="0">
               <a:latin typeface="Arial"/>
             </a:endParaRPr>
           </a:p>
@@ -14370,7 +14400,7 @@
               <a:buChar char=""/>
             </a:pPr>
             <a:r>
-              <a:rPr lang="en-AU" sz="3200" b="0" strike="noStrike" spc="-1" smtClean="0">
+              <a:rPr lang="en-AU" sz="3200" b="0" strike="noStrike" spc="-1" dirty="0" smtClean="0">
                 <a:solidFill>
                   <a:srgbClr val="000000"/>
                 </a:solidFill>
